--- a/Hira samihafa/Hira Fidirana Paska 2024.pptx
+++ b/Hira samihafa/Hira Fidirana Paska 2024.pptx
@@ -9,11 +9,11 @@
     <p:sldId id="257" r:id="rId3"/>
     <p:sldId id="261" r:id="rId4"/>
     <p:sldId id="259" r:id="rId5"/>
-    <p:sldId id="260" r:id="rId6"/>
+    <p:sldId id="266" r:id="rId6"/>
     <p:sldId id="264" r:id="rId7"/>
-    <p:sldId id="262" r:id="rId8"/>
+    <p:sldId id="267" r:id="rId8"/>
     <p:sldId id="265" r:id="rId9"/>
-    <p:sldId id="263" r:id="rId10"/>
+    <p:sldId id="268" r:id="rId10"/>
   </p:sldIdLst>
   <p:sldSz cx="12192000" cy="6858000"/>
   <p:notesSz cx="6858000" cy="9144000"/>
@@ -112,6 +112,11 @@
       </a:defRPr>
     </a:lvl9pPr>
   </p:defaultTextStyle>
+  <p:extLst>
+    <p:ext uri="{EFAFB233-063F-42B5-8137-9DF3F51BA10A}">
+      <p15:sldGuideLst xmlns:p15="http://schemas.microsoft.com/office/powerpoint/2012/main"/>
+    </p:ext>
+  </p:extLst>
 </p:presentation>
 </file>
 
@@ -262,7 +267,7 @@
           <a:p>
             <a:fld id="{0606CFE6-0094-4969-BCD9-6F4469613789}" type="datetimeFigureOut">
               <a:rPr lang="fr-FR" smtClean="0"/>
-              <a:t>30/03/2024</a:t>
+              <a:t>31/03/2024</a:t>
             </a:fld>
             <a:endParaRPr lang="fr-FR"/>
           </a:p>
@@ -460,7 +465,7 @@
           <a:p>
             <a:fld id="{0606CFE6-0094-4969-BCD9-6F4469613789}" type="datetimeFigureOut">
               <a:rPr lang="fr-FR" smtClean="0"/>
-              <a:t>30/03/2024</a:t>
+              <a:t>31/03/2024</a:t>
             </a:fld>
             <a:endParaRPr lang="fr-FR"/>
           </a:p>
@@ -668,7 +673,7 @@
           <a:p>
             <a:fld id="{0606CFE6-0094-4969-BCD9-6F4469613789}" type="datetimeFigureOut">
               <a:rPr lang="fr-FR" smtClean="0"/>
-              <a:t>30/03/2024</a:t>
+              <a:t>31/03/2024</a:t>
             </a:fld>
             <a:endParaRPr lang="fr-FR"/>
           </a:p>
@@ -866,7 +871,7 @@
           <a:p>
             <a:fld id="{0606CFE6-0094-4969-BCD9-6F4469613789}" type="datetimeFigureOut">
               <a:rPr lang="fr-FR" smtClean="0"/>
-              <a:t>30/03/2024</a:t>
+              <a:t>31/03/2024</a:t>
             </a:fld>
             <a:endParaRPr lang="fr-FR"/>
           </a:p>
@@ -1141,7 +1146,7 @@
           <a:p>
             <a:fld id="{0606CFE6-0094-4969-BCD9-6F4469613789}" type="datetimeFigureOut">
               <a:rPr lang="fr-FR" smtClean="0"/>
-              <a:t>30/03/2024</a:t>
+              <a:t>31/03/2024</a:t>
             </a:fld>
             <a:endParaRPr lang="fr-FR"/>
           </a:p>
@@ -1406,7 +1411,7 @@
           <a:p>
             <a:fld id="{0606CFE6-0094-4969-BCD9-6F4469613789}" type="datetimeFigureOut">
               <a:rPr lang="fr-FR" smtClean="0"/>
-              <a:t>30/03/2024</a:t>
+              <a:t>31/03/2024</a:t>
             </a:fld>
             <a:endParaRPr lang="fr-FR"/>
           </a:p>
@@ -1818,7 +1823,7 @@
           <a:p>
             <a:fld id="{0606CFE6-0094-4969-BCD9-6F4469613789}" type="datetimeFigureOut">
               <a:rPr lang="fr-FR" smtClean="0"/>
-              <a:t>30/03/2024</a:t>
+              <a:t>31/03/2024</a:t>
             </a:fld>
             <a:endParaRPr lang="fr-FR"/>
           </a:p>
@@ -1959,7 +1964,7 @@
           <a:p>
             <a:fld id="{0606CFE6-0094-4969-BCD9-6F4469613789}" type="datetimeFigureOut">
               <a:rPr lang="fr-FR" smtClean="0"/>
-              <a:t>30/03/2024</a:t>
+              <a:t>31/03/2024</a:t>
             </a:fld>
             <a:endParaRPr lang="fr-FR"/>
           </a:p>
@@ -2072,7 +2077,7 @@
           <a:p>
             <a:fld id="{0606CFE6-0094-4969-BCD9-6F4469613789}" type="datetimeFigureOut">
               <a:rPr lang="fr-FR" smtClean="0"/>
-              <a:t>30/03/2024</a:t>
+              <a:t>31/03/2024</a:t>
             </a:fld>
             <a:endParaRPr lang="fr-FR"/>
           </a:p>
@@ -2383,7 +2388,7 @@
           <a:p>
             <a:fld id="{0606CFE6-0094-4969-BCD9-6F4469613789}" type="datetimeFigureOut">
               <a:rPr lang="fr-FR" smtClean="0"/>
-              <a:t>30/03/2024</a:t>
+              <a:t>31/03/2024</a:t>
             </a:fld>
             <a:endParaRPr lang="fr-FR"/>
           </a:p>
@@ -2671,7 +2676,7 @@
           <a:p>
             <a:fld id="{0606CFE6-0094-4969-BCD9-6F4469613789}" type="datetimeFigureOut">
               <a:rPr lang="fr-FR" smtClean="0"/>
-              <a:t>30/03/2024</a:t>
+              <a:t>31/03/2024</a:t>
             </a:fld>
             <a:endParaRPr lang="fr-FR"/>
           </a:p>
@@ -2912,7 +2917,7 @@
           <a:p>
             <a:fld id="{0606CFE6-0094-4969-BCD9-6F4469613789}" type="datetimeFigureOut">
               <a:rPr lang="fr-FR" smtClean="0"/>
-              <a:t>30/03/2024</a:t>
+              <a:t>31/03/2024</a:t>
             </a:fld>
             <a:endParaRPr lang="fr-FR"/>
           </a:p>
@@ -3608,7 +3613,7 @@
                 </a:effectLst>
                 <a:latin typeface="Bodoni MT" panose="02070603080606020203" pitchFamily="18" charset="0"/>
               </a:rPr>
-              <a:t>aranao</a:t>
+              <a:t>anaranao</a:t>
             </a:r>
             <a:endParaRPr lang="fr-FR" sz="9600" b="1" dirty="0">
               <a:effectLst>
@@ -3673,7 +3678,7 @@
         </p:nvSpPr>
         <p:spPr>
           <a:xfrm>
-            <a:off x="-1" y="820615"/>
+            <a:off x="-1" y="1172310"/>
             <a:ext cx="12192001" cy="4524315"/>
           </a:xfrm>
           <a:prstGeom prst="rect">
@@ -4115,7 +4120,7 @@
         <p:cNvPr id="1" name="">
           <a:extLst>
             <a:ext uri="{FF2B5EF4-FFF2-40B4-BE49-F238E27FC236}">
-              <a16:creationId xmlns:a16="http://schemas.microsoft.com/office/drawing/2014/main" id="{21988D86-9115-3740-0C04-CF22DB1EF07F}"/>
+              <a16:creationId xmlns:a16="http://schemas.microsoft.com/office/drawing/2014/main" id="{426A6779-9188-1330-2D0B-3A25190B79BF}"/>
             </a:ext>
           </a:extLst>
         </p:cNvPr>
@@ -4135,7 +4140,7 @@
           <p:cNvPr id="3" name="ZoneTexte 2">
             <a:extLst>
               <a:ext uri="{FF2B5EF4-FFF2-40B4-BE49-F238E27FC236}">
-                <a16:creationId xmlns:a16="http://schemas.microsoft.com/office/drawing/2014/main" id="{AB68CDEB-6DB9-7065-8C1B-C13DFA34364D}"/>
+                <a16:creationId xmlns:a16="http://schemas.microsoft.com/office/drawing/2014/main" id="{56FFCAA6-F0C3-40E4-DC68-AAF3C57CCEF9}"/>
               </a:ext>
             </a:extLst>
           </p:cNvPr>
@@ -4144,7 +4149,7 @@
         </p:nvSpPr>
         <p:spPr>
           <a:xfrm>
-            <a:off x="-1" y="820615"/>
+            <a:off x="-1" y="1172310"/>
             <a:ext cx="12192001" cy="4524315"/>
           </a:xfrm>
           <a:prstGeom prst="rect">
@@ -4308,7 +4313,7 @@
     </p:spTree>
     <p:extLst>
       <p:ext uri="{BB962C8B-B14F-4D97-AF65-F5344CB8AC3E}">
-        <p14:creationId xmlns:p14="http://schemas.microsoft.com/office/powerpoint/2010/main" val="3554361605"/>
+        <p14:creationId xmlns:p14="http://schemas.microsoft.com/office/powerpoint/2010/main" val="866722227"/>
       </p:ext>
     </p:extLst>
   </p:cSld>
@@ -4481,7 +4486,7 @@
         <p:cNvPr id="1" name="">
           <a:extLst>
             <a:ext uri="{FF2B5EF4-FFF2-40B4-BE49-F238E27FC236}">
-              <a16:creationId xmlns:a16="http://schemas.microsoft.com/office/drawing/2014/main" id="{E7B2F5EA-92FC-D599-AC2D-DD0E4D7AFC36}"/>
+              <a16:creationId xmlns:a16="http://schemas.microsoft.com/office/drawing/2014/main" id="{7C0F1AA7-C1CA-FBCD-40B1-6119D77DB154}"/>
             </a:ext>
           </a:extLst>
         </p:cNvPr>
@@ -4501,7 +4506,7 @@
           <p:cNvPr id="3" name="ZoneTexte 2">
             <a:extLst>
               <a:ext uri="{FF2B5EF4-FFF2-40B4-BE49-F238E27FC236}">
-                <a16:creationId xmlns:a16="http://schemas.microsoft.com/office/drawing/2014/main" id="{DB567603-603A-FE32-F7FF-61DA65CD79A9}"/>
+                <a16:creationId xmlns:a16="http://schemas.microsoft.com/office/drawing/2014/main" id="{00AC4681-AFBC-D459-90FE-13965C17A44A}"/>
               </a:ext>
             </a:extLst>
           </p:cNvPr>
@@ -4510,7 +4515,7 @@
         </p:nvSpPr>
         <p:spPr>
           <a:xfrm>
-            <a:off x="-1" y="820615"/>
+            <a:off x="-1" y="1172310"/>
             <a:ext cx="12192001" cy="4524315"/>
           </a:xfrm>
           <a:prstGeom prst="rect">
@@ -4674,7 +4679,7 @@
     </p:spTree>
     <p:extLst>
       <p:ext uri="{BB962C8B-B14F-4D97-AF65-F5344CB8AC3E}">
-        <p14:creationId xmlns:p14="http://schemas.microsoft.com/office/powerpoint/2010/main" val="2695179301"/>
+        <p14:creationId xmlns:p14="http://schemas.microsoft.com/office/powerpoint/2010/main" val="3596679615"/>
       </p:ext>
     </p:extLst>
   </p:cSld>
@@ -4781,7 +4786,7 @@
             </a:r>
             <a:r>
               <a:rPr lang="fr-FR" dirty="0" err="1"/>
-              <a:t>zanaka</a:t>
+              <a:t>Zanaka</a:t>
             </a:r>
             <a:r>
               <a:rPr lang="fr-FR" dirty="0"/>
@@ -4840,7 +4845,7 @@
         <p:cNvPr id="1" name="">
           <a:extLst>
             <a:ext uri="{FF2B5EF4-FFF2-40B4-BE49-F238E27FC236}">
-              <a16:creationId xmlns:a16="http://schemas.microsoft.com/office/drawing/2014/main" id="{B44A29A4-81C1-C13F-B09C-46848DE84745}"/>
+              <a16:creationId xmlns:a16="http://schemas.microsoft.com/office/drawing/2014/main" id="{5E0FBA9E-D9B7-4002-50EC-97F8FACAE17C}"/>
             </a:ext>
           </a:extLst>
         </p:cNvPr>
@@ -4860,7 +4865,7 @@
           <p:cNvPr id="3" name="ZoneTexte 2">
             <a:extLst>
               <a:ext uri="{FF2B5EF4-FFF2-40B4-BE49-F238E27FC236}">
-                <a16:creationId xmlns:a16="http://schemas.microsoft.com/office/drawing/2014/main" id="{6116D3FC-AE1F-B173-5C27-09384FD877AD}"/>
+                <a16:creationId xmlns:a16="http://schemas.microsoft.com/office/drawing/2014/main" id="{D4D3D042-E14C-0141-8596-C7FA45EA8B45}"/>
               </a:ext>
             </a:extLst>
           </p:cNvPr>
@@ -4869,7 +4874,7 @@
         </p:nvSpPr>
         <p:spPr>
           <a:xfrm>
-            <a:off x="-1" y="820615"/>
+            <a:off x="-1" y="1172310"/>
             <a:ext cx="12192001" cy="4524315"/>
           </a:xfrm>
           <a:prstGeom prst="rect">
@@ -5033,7 +5038,7 @@
     </p:spTree>
     <p:extLst>
       <p:ext uri="{BB962C8B-B14F-4D97-AF65-F5344CB8AC3E}">
-        <p14:creationId xmlns:p14="http://schemas.microsoft.com/office/powerpoint/2010/main" val="2125731519"/>
+        <p14:creationId xmlns:p14="http://schemas.microsoft.com/office/powerpoint/2010/main" val="1533913008"/>
       </p:ext>
     </p:extLst>
   </p:cSld>
